--- a/Project.pptx
+++ b/Project.pptx
@@ -412,7 +412,7 @@
             </a:lvl1pPr>
           </a:lstStyle>
           <a:p>
-            <a:endParaRPr lang="en-IN"/>
+            <a:endParaRPr lang="en-IN" dirty="0"/>
           </a:p>
         </p:txBody>
       </p:sp>
@@ -445,9 +445,9 @@
           <a:p>
             <a:fld id="{46256A78-79A6-408F-8148-4F87BB81602D}" type="datetimeFigureOut">
               <a:rPr lang="en-IN" smtClean="0"/>
-              <a:t>29-03-2024</a:t>
+              <a:t>04-04-2024</a:t>
             </a:fld>
-            <a:endParaRPr lang="en-IN"/>
+            <a:endParaRPr lang="en-IN" dirty="0"/>
           </a:p>
         </p:txBody>
       </p:sp>
@@ -480,7 +480,7 @@
           <a:bodyPr vert="horz" lIns="91440" tIns="45720" rIns="91440" bIns="45720" rtlCol="0" anchor="ctr"/>
           <a:lstStyle/>
           <a:p>
-            <a:endParaRPr lang="en-IN"/>
+            <a:endParaRPr lang="en-IN" dirty="0"/>
           </a:p>
         </p:txBody>
       </p:sp>
@@ -571,7 +571,7 @@
             </a:lvl1pPr>
           </a:lstStyle>
           <a:p>
-            <a:endParaRPr lang="en-IN"/>
+            <a:endParaRPr lang="en-IN" dirty="0"/>
           </a:p>
         </p:txBody>
       </p:sp>
@@ -606,7 +606,7 @@
               <a:rPr lang="en-IN" smtClean="0"/>
               <a:t>‹#›</a:t>
             </a:fld>
-            <a:endParaRPr lang="en-IN"/>
+            <a:endParaRPr lang="en-IN" dirty="0"/>
           </a:p>
         </p:txBody>
       </p:sp>
@@ -1435,9 +1435,9 @@
           <a:p>
             <a:fld id="{ED291B17-9318-49DB-B28B-6E5994AE9581}" type="datetime1">
               <a:rPr lang="en-US" smtClean="0"/>
-              <a:t>29-Mar-24</a:t>
+              <a:t>4/4/2024</a:t>
             </a:fld>
-            <a:endParaRPr lang="en-US"/>
+            <a:endParaRPr lang="en-US" dirty="0"/>
           </a:p>
         </p:txBody>
       </p:sp>
@@ -1456,7 +1456,7 @@
           <a:bodyPr/>
           <a:lstStyle/>
           <a:p>
-            <a:endParaRPr lang="en-US"/>
+            <a:endParaRPr lang="en-US" dirty="0"/>
           </a:p>
         </p:txBody>
       </p:sp>
@@ -1479,7 +1479,7 @@
               <a:rPr lang="en-US" smtClean="0"/>
               <a:t>‹#›</a:t>
             </a:fld>
-            <a:endParaRPr lang="en-US"/>
+            <a:endParaRPr lang="en-US" dirty="0"/>
           </a:p>
         </p:txBody>
       </p:sp>
@@ -1686,9 +1686,9 @@
           <a:p>
             <a:fld id="{ED291B17-9318-49DB-B28B-6E5994AE9581}" type="datetime1">
               <a:rPr lang="en-US" smtClean="0"/>
-              <a:t>29-Mar-24</a:t>
+              <a:t>4/4/2024</a:t>
             </a:fld>
-            <a:endParaRPr lang="en-US"/>
+            <a:endParaRPr lang="en-US" dirty="0"/>
           </a:p>
         </p:txBody>
       </p:sp>
@@ -1730,7 +1730,7 @@
               <a:rPr lang="en-US" smtClean="0"/>
               <a:t>‹#›</a:t>
             </a:fld>
-            <a:endParaRPr lang="en-US"/>
+            <a:endParaRPr lang="en-US" dirty="0"/>
           </a:p>
         </p:txBody>
       </p:sp>
@@ -2001,9 +2001,9 @@
           <a:p>
             <a:fld id="{ED291B17-9318-49DB-B28B-6E5994AE9581}" type="datetime1">
               <a:rPr lang="en-US" smtClean="0"/>
-              <a:t>29-Mar-24</a:t>
+              <a:t>4/4/2024</a:t>
             </a:fld>
-            <a:endParaRPr lang="en-US"/>
+            <a:endParaRPr lang="en-US" dirty="0"/>
           </a:p>
         </p:txBody>
       </p:sp>
@@ -2045,7 +2045,7 @@
               <a:rPr lang="en-US" smtClean="0"/>
               <a:t>‹#›</a:t>
             </a:fld>
-            <a:endParaRPr lang="en-US"/>
+            <a:endParaRPr lang="en-US" dirty="0"/>
           </a:p>
         </p:txBody>
       </p:sp>
@@ -2343,9 +2343,9 @@
           <a:p>
             <a:fld id="{ED291B17-9318-49DB-B28B-6E5994AE9581}" type="datetime1">
               <a:rPr lang="en-US" smtClean="0"/>
-              <a:t>29-Mar-24</a:t>
+              <a:t>4/4/2024</a:t>
             </a:fld>
-            <a:endParaRPr lang="en-US"/>
+            <a:endParaRPr lang="en-US" dirty="0"/>
           </a:p>
         </p:txBody>
       </p:sp>
@@ -2387,7 +2387,7 @@
               <a:rPr lang="en-US" smtClean="0"/>
               <a:t>‹#›</a:t>
             </a:fld>
-            <a:endParaRPr lang="en-US"/>
+            <a:endParaRPr lang="en-US" dirty="0"/>
           </a:p>
         </p:txBody>
       </p:sp>
@@ -2658,9 +2658,9 @@
           <a:p>
             <a:fld id="{ED291B17-9318-49DB-B28B-6E5994AE9581}" type="datetime1">
               <a:rPr lang="en-US" smtClean="0"/>
-              <a:t>29-Mar-24</a:t>
+              <a:t>4/4/2024</a:t>
             </a:fld>
-            <a:endParaRPr lang="en-US"/>
+            <a:endParaRPr lang="en-US" dirty="0"/>
           </a:p>
         </p:txBody>
       </p:sp>
@@ -2702,7 +2702,7 @@
               <a:rPr lang="en-US" smtClean="0"/>
               <a:t>‹#›</a:t>
             </a:fld>
-            <a:endParaRPr lang="en-US"/>
+            <a:endParaRPr lang="en-US" dirty="0"/>
           </a:p>
         </p:txBody>
       </p:sp>
@@ -3052,9 +3052,9 @@
           <a:p>
             <a:fld id="{ED291B17-9318-49DB-B28B-6E5994AE9581}" type="datetime1">
               <a:rPr lang="en-US" smtClean="0"/>
-              <a:t>29-Mar-24</a:t>
+              <a:t>4/4/2024</a:t>
             </a:fld>
-            <a:endParaRPr lang="en-US"/>
+            <a:endParaRPr lang="en-US" dirty="0"/>
           </a:p>
         </p:txBody>
       </p:sp>
@@ -3096,7 +3096,7 @@
               <a:rPr lang="en-US" smtClean="0"/>
               <a:t>‹#›</a:t>
             </a:fld>
-            <a:endParaRPr lang="en-US"/>
+            <a:endParaRPr lang="en-US" dirty="0"/>
           </a:p>
         </p:txBody>
       </p:sp>
@@ -3223,9 +3223,9 @@
           <a:p>
             <a:fld id="{2CED4963-E985-44C4-B8C4-FDD613B7C2F8}" type="datetime1">
               <a:rPr lang="en-US" smtClean="0"/>
-              <a:t>29-Mar-24</a:t>
+              <a:t>4/4/2024</a:t>
             </a:fld>
-            <a:endParaRPr lang="en-US"/>
+            <a:endParaRPr lang="en-US" dirty="0"/>
           </a:p>
         </p:txBody>
       </p:sp>
@@ -3244,7 +3244,7 @@
           <a:bodyPr/>
           <a:lstStyle/>
           <a:p>
-            <a:endParaRPr lang="en-US"/>
+            <a:endParaRPr lang="en-US" dirty="0"/>
           </a:p>
         </p:txBody>
       </p:sp>
@@ -3267,7 +3267,7 @@
               <a:rPr lang="en-US" smtClean="0"/>
               <a:t>‹#›</a:t>
             </a:fld>
-            <a:endParaRPr lang="en-US"/>
+            <a:endParaRPr lang="en-US" dirty="0"/>
           </a:p>
         </p:txBody>
       </p:sp>
@@ -3403,9 +3403,9 @@
           <a:p>
             <a:fld id="{ED291B17-9318-49DB-B28B-6E5994AE9581}" type="datetime1">
               <a:rPr lang="en-US" smtClean="0"/>
-              <a:t>29-Mar-24</a:t>
+              <a:t>4/4/2024</a:t>
             </a:fld>
-            <a:endParaRPr lang="en-US"/>
+            <a:endParaRPr lang="en-US" dirty="0"/>
           </a:p>
         </p:txBody>
       </p:sp>
@@ -3424,7 +3424,7 @@
           <a:bodyPr/>
           <a:lstStyle/>
           <a:p>
-            <a:endParaRPr lang="en-US"/>
+            <a:endParaRPr lang="en-US" dirty="0"/>
           </a:p>
         </p:txBody>
       </p:sp>
@@ -3447,7 +3447,7 @@
               <a:rPr lang="en-US" smtClean="0"/>
               <a:t>‹#›</a:t>
             </a:fld>
-            <a:endParaRPr lang="en-US"/>
+            <a:endParaRPr lang="en-US" dirty="0"/>
           </a:p>
         </p:txBody>
       </p:sp>
@@ -3579,9 +3579,9 @@
           <a:p>
             <a:fld id="{78DD82B9-B8EE-4375-B6FF-88FA6ABB15D9}" type="datetime1">
               <a:rPr lang="en-US" smtClean="0"/>
-              <a:t>29-Mar-24</a:t>
+              <a:t>4/4/2024</a:t>
             </a:fld>
-            <a:endParaRPr lang="en-US"/>
+            <a:endParaRPr lang="en-US" dirty="0"/>
           </a:p>
         </p:txBody>
       </p:sp>
@@ -3826,9 +3826,9 @@
           <a:p>
             <a:fld id="{B2497495-0637-405E-AE64-5CC7506D51F5}" type="datetime1">
               <a:rPr lang="en-US" smtClean="0"/>
-              <a:t>29-Mar-24</a:t>
+              <a:t>4/4/2024</a:t>
             </a:fld>
-            <a:endParaRPr lang="en-US"/>
+            <a:endParaRPr lang="en-US" dirty="0"/>
           </a:p>
         </p:txBody>
       </p:sp>
@@ -3847,7 +3847,7 @@
           <a:bodyPr/>
           <a:lstStyle/>
           <a:p>
-            <a:endParaRPr lang="en-US"/>
+            <a:endParaRPr lang="en-US" dirty="0"/>
           </a:p>
         </p:txBody>
       </p:sp>
@@ -3870,7 +3870,7 @@
               <a:rPr lang="en-US" smtClean="0"/>
               <a:t>‹#›</a:t>
             </a:fld>
-            <a:endParaRPr lang="en-US"/>
+            <a:endParaRPr lang="en-US" dirty="0"/>
           </a:p>
         </p:txBody>
       </p:sp>
@@ -4058,9 +4058,9 @@
           <a:p>
             <a:fld id="{7BFFD690-9426-415D-8B65-26881E07B2D4}" type="datetime1">
               <a:rPr lang="en-US" smtClean="0"/>
-              <a:t>29-Mar-24</a:t>
+              <a:t>4/4/2024</a:t>
             </a:fld>
-            <a:endParaRPr lang="en-US"/>
+            <a:endParaRPr lang="en-US" dirty="0"/>
           </a:p>
         </p:txBody>
       </p:sp>
@@ -4079,7 +4079,7 @@
           <a:bodyPr/>
           <a:lstStyle/>
           <a:p>
-            <a:endParaRPr lang="en-US"/>
+            <a:endParaRPr lang="en-US" dirty="0"/>
           </a:p>
         </p:txBody>
       </p:sp>
@@ -4102,7 +4102,7 @@
               <a:rPr lang="en-US" smtClean="0"/>
               <a:t>‹#›</a:t>
             </a:fld>
-            <a:endParaRPr lang="en-US"/>
+            <a:endParaRPr lang="en-US" dirty="0"/>
           </a:p>
         </p:txBody>
       </p:sp>
@@ -4432,9 +4432,9 @@
           <a:p>
             <a:fld id="{04C4989A-474C-40DE-95B9-011C28B71673}" type="datetime1">
               <a:rPr lang="en-US" smtClean="0"/>
-              <a:t>29-Mar-24</a:t>
+              <a:t>4/4/2024</a:t>
             </a:fld>
-            <a:endParaRPr lang="en-US"/>
+            <a:endParaRPr lang="en-US" dirty="0"/>
           </a:p>
         </p:txBody>
       </p:sp>
@@ -4453,7 +4453,7 @@
           <a:bodyPr/>
           <a:lstStyle/>
           <a:p>
-            <a:endParaRPr lang="en-US"/>
+            <a:endParaRPr lang="en-US" dirty="0"/>
           </a:p>
         </p:txBody>
       </p:sp>
@@ -4476,7 +4476,7 @@
               <a:rPr lang="en-US" smtClean="0"/>
               <a:t>‹#›</a:t>
             </a:fld>
-            <a:endParaRPr lang="en-US"/>
+            <a:endParaRPr lang="en-US" dirty="0"/>
           </a:p>
         </p:txBody>
       </p:sp>
@@ -4555,9 +4555,9 @@
           <a:p>
             <a:fld id="{5DB4ED54-5B5E-4A04-93D3-5772E3CE3818}" type="datetime1">
               <a:rPr lang="en-US" smtClean="0"/>
-              <a:t>29-Mar-24</a:t>
+              <a:t>4/4/2024</a:t>
             </a:fld>
-            <a:endParaRPr lang="en-US"/>
+            <a:endParaRPr lang="en-US" dirty="0"/>
           </a:p>
         </p:txBody>
       </p:sp>
@@ -4576,7 +4576,7 @@
           <a:bodyPr/>
           <a:lstStyle/>
           <a:p>
-            <a:endParaRPr lang="en-US"/>
+            <a:endParaRPr lang="en-US" dirty="0"/>
           </a:p>
         </p:txBody>
       </p:sp>
@@ -4599,7 +4599,7 @@
               <a:rPr lang="en-US" smtClean="0"/>
               <a:t>‹#›</a:t>
             </a:fld>
-            <a:endParaRPr lang="en-US"/>
+            <a:endParaRPr lang="en-US" dirty="0"/>
           </a:p>
         </p:txBody>
       </p:sp>
@@ -4650,9 +4650,9 @@
           <a:p>
             <a:fld id="{4EDE50D6-574B-40AF-946F-D52A04ADE379}" type="datetime1">
               <a:rPr lang="en-US" smtClean="0"/>
-              <a:t>29-Mar-24</a:t>
+              <a:t>4/4/2024</a:t>
             </a:fld>
-            <a:endParaRPr lang="en-US"/>
+            <a:endParaRPr lang="en-US" dirty="0"/>
           </a:p>
         </p:txBody>
       </p:sp>
@@ -4671,7 +4671,7 @@
           <a:bodyPr/>
           <a:lstStyle/>
           <a:p>
-            <a:endParaRPr lang="en-US"/>
+            <a:endParaRPr lang="en-US" dirty="0"/>
           </a:p>
         </p:txBody>
       </p:sp>
@@ -4694,7 +4694,7 @@
               <a:rPr lang="en-US" smtClean="0"/>
               <a:t>‹#›</a:t>
             </a:fld>
-            <a:endParaRPr lang="en-US"/>
+            <a:endParaRPr lang="en-US" dirty="0"/>
           </a:p>
         </p:txBody>
       </p:sp>
@@ -4905,9 +4905,9 @@
           <a:p>
             <a:fld id="{D82884F1-FFEA-405F-9602-3DCA865EDA4E}" type="datetime1">
               <a:rPr lang="en-US" smtClean="0"/>
-              <a:t>29-Mar-24</a:t>
+              <a:t>4/4/2024</a:t>
             </a:fld>
-            <a:endParaRPr lang="en-US"/>
+            <a:endParaRPr lang="en-US" dirty="0"/>
           </a:p>
         </p:txBody>
       </p:sp>
@@ -4926,7 +4926,7 @@
           <a:bodyPr/>
           <a:lstStyle/>
           <a:p>
-            <a:endParaRPr lang="en-US"/>
+            <a:endParaRPr lang="en-US" dirty="0"/>
           </a:p>
         </p:txBody>
       </p:sp>
@@ -4950,7 +4950,7 @@
               <a:pPr/>
               <a:t>‹#›</a:t>
             </a:fld>
-            <a:endParaRPr lang="en-US"/>
+            <a:endParaRPr lang="en-US" dirty="0"/>
           </a:p>
         </p:txBody>
       </p:sp>
@@ -5078,10 +5078,9 @@
           </a:lstStyle>
           <a:p>
             <a:r>
-              <a:rPr lang="en-US"/>
+              <a:rPr lang="en-US" dirty="0"/>
               <a:t>Click icon to add picture</a:t>
             </a:r>
-            <a:endParaRPr lang="en-US" dirty="0"/>
           </a:p>
         </p:txBody>
       </p:sp>
@@ -5169,9 +5168,9 @@
           <a:p>
             <a:fld id="{7E18DB4A-8810-4A10-AD5C-D5E2C667F5B3}" type="datetime1">
               <a:rPr lang="en-US" smtClean="0"/>
-              <a:t>29-Mar-24</a:t>
+              <a:t>4/4/2024</a:t>
             </a:fld>
-            <a:endParaRPr lang="en-US"/>
+            <a:endParaRPr lang="en-US" dirty="0"/>
           </a:p>
         </p:txBody>
       </p:sp>
@@ -5191,7 +5190,7 @@
           <a:lstStyle/>
           <a:p>
             <a:pPr algn="l"/>
-            <a:endParaRPr lang="en-US"/>
+            <a:endParaRPr lang="en-US" dirty="0"/>
           </a:p>
         </p:txBody>
       </p:sp>
@@ -5214,7 +5213,7 @@
               <a:rPr lang="en-US" smtClean="0"/>
               <a:t>‹#›</a:t>
             </a:fld>
-            <a:endParaRPr lang="en-US"/>
+            <a:endParaRPr lang="en-US" dirty="0"/>
           </a:p>
         </p:txBody>
       </p:sp>
@@ -5913,9 +5912,9 @@
           <a:p>
             <a:fld id="{ED291B17-9318-49DB-B28B-6E5994AE9581}" type="datetime1">
               <a:rPr lang="en-US" smtClean="0"/>
-              <a:t>29-Mar-24</a:t>
+              <a:t>4/4/2024</a:t>
             </a:fld>
-            <a:endParaRPr lang="en-US"/>
+            <a:endParaRPr lang="en-US" dirty="0"/>
           </a:p>
         </p:txBody>
       </p:sp>
@@ -5991,7 +5990,7 @@
               <a:rPr lang="en-US" smtClean="0"/>
               <a:t>‹#›</a:t>
             </a:fld>
-            <a:endParaRPr lang="en-US"/>
+            <a:endParaRPr lang="en-US" dirty="0"/>
           </a:p>
         </p:txBody>
       </p:sp>
@@ -6486,17 +6485,17 @@
         </p:nvSpPr>
         <p:spPr>
           <a:xfrm>
-            <a:off x="1359108" y="1821635"/>
-            <a:ext cx="9144000" cy="977778"/>
+            <a:off x="791266" y="1906040"/>
+            <a:ext cx="8985594" cy="977778"/>
           </a:xfrm>
         </p:spPr>
         <p:txBody>
           <a:bodyPr/>
           <a:lstStyle/>
           <a:p>
-            <a:pPr algn="ctr"/>
-            <a:r>
-              <a:rPr lang="en-US" b="1">
+            <a:pPr algn="l"/>
+            <a:r>
+              <a:rPr lang="en-US" b="1" dirty="0">
                 <a:solidFill>
                   <a:schemeClr val="accent1"/>
                 </a:solidFill>
@@ -6516,8 +6515,8 @@
         </p:nvSpPr>
         <p:spPr>
           <a:xfrm>
-            <a:off x="-329782" y="1034321"/>
-            <a:ext cx="12726648" cy="584775"/>
+            <a:off x="791266" y="1203132"/>
+            <a:ext cx="8637563" cy="584775"/>
           </a:xfrm>
           <a:prstGeom prst="rect">
             <a:avLst/>
@@ -6530,7 +6529,6 @@
           </a:bodyPr>
           <a:lstStyle/>
           <a:p>
-            <a:pPr algn="ctr"/>
             <a:r>
               <a:rPr lang="en-US" sz="3200" b="1" dirty="0">
                 <a:solidFill>
@@ -6554,7 +6552,7 @@
         </p:nvSpPr>
         <p:spPr>
           <a:xfrm>
-            <a:off x="3117529" y="4586365"/>
+            <a:off x="908941" y="4331429"/>
             <a:ext cx="7980183" cy="1323439"/>
           </a:xfrm>
           <a:prstGeom prst="rect">
@@ -6569,7 +6567,7 @@
           <a:lstStyle/>
           <a:p>
             <a:r>
-              <a:rPr lang="en-US" sz="2000" b="1">
+              <a:rPr lang="en-US" sz="2000" b="1" dirty="0">
                 <a:solidFill>
                   <a:schemeClr val="accent1">
                     <a:lumMod val="75000"/>
@@ -6578,19 +6576,7 @@
                 <a:latin typeface="Arial" pitchFamily="34" charset="0"/>
                 <a:cs typeface="Arial" pitchFamily="34" charset="0"/>
               </a:rPr>
-              <a:t>Presentsed</a:t>
-            </a:r>
-            <a:r>
-              <a:rPr lang="en-US" sz="2000" b="1" dirty="0">
-                <a:solidFill>
-                  <a:schemeClr val="accent1">
-                    <a:lumMod val="75000"/>
-                  </a:schemeClr>
-                </a:solidFill>
-                <a:latin typeface="Arial" pitchFamily="34" charset="0"/>
-                <a:cs typeface="Arial" pitchFamily="34" charset="0"/>
-              </a:rPr>
-              <a:t> By:</a:t>
+              <a:t>Presented By:</a:t>
             </a:r>
           </a:p>
           <a:p>
@@ -6691,7 +6677,7 @@
           <a:lstStyle/>
           <a:p>
             <a:r>
-              <a:rPr lang="en-US" sz="4400" b="1">
+              <a:rPr lang="en-US" sz="4400" b="1" dirty="0">
                 <a:solidFill>
                   <a:schemeClr val="accent1"/>
                 </a:solidFill>
@@ -6701,7 +6687,7 @@
               </a:rPr>
               <a:t>References</a:t>
             </a:r>
-            <a:endParaRPr lang="en-US"/>
+            <a:endParaRPr lang="en-US" dirty="0"/>
           </a:p>
         </p:txBody>
       </p:sp>
@@ -6732,13 +6718,52 @@
             <a:r>
               <a:rPr lang="en-IN" sz="2400" dirty="0">
                 <a:solidFill>
-                  <a:srgbClr val="0F0F0F"/>
-                </a:solidFill>
-                <a:ea typeface="+mn-lt"/>
-                <a:cs typeface="+mn-lt"/>
+                  <a:schemeClr val="tx1"/>
+                </a:solidFill>
               </a:rPr>
-              <a:t>List and cite relevant sources, research papers, and articles that were instrumental in developing the proposed solution. This could include academic papers on bike demand prediction, machine learning algorithms, and best practices in data preprocessing and model evaluation.</a:t>
-            </a:r>
+              <a:t>NM Videos</a:t>
+            </a:r>
+          </a:p>
+          <a:p>
+            <a:pPr marL="305435" indent="-305435"/>
+            <a:r>
+              <a:rPr lang="en-IN" sz="2400" dirty="0">
+                <a:solidFill>
+                  <a:schemeClr val="tx1"/>
+                </a:solidFill>
+              </a:rPr>
+              <a:t>Chat GPT</a:t>
+            </a:r>
+          </a:p>
+          <a:p>
+            <a:pPr marL="305435" indent="-305435"/>
+            <a:r>
+              <a:rPr lang="en-IN" sz="2400" dirty="0">
+                <a:solidFill>
+                  <a:schemeClr val="tx1"/>
+                </a:solidFill>
+              </a:rPr>
+              <a:t>Google Web Search</a:t>
+            </a:r>
+          </a:p>
+          <a:p>
+            <a:pPr marL="305435" indent="-305435"/>
+            <a:r>
+              <a:rPr lang="en-GB" sz="2400" dirty="0">
+                <a:solidFill>
+                  <a:schemeClr val="tx1"/>
+                </a:solidFill>
+              </a:rPr>
+              <a:t>William Stallings, "Cryptography and Network Security - Principles and Practice", Seventh Edition, Pearson Education, 2017</a:t>
+            </a:r>
+            <a:endParaRPr lang="en-IN" sz="2400" dirty="0">
+              <a:solidFill>
+                <a:schemeClr val="tx1"/>
+              </a:solidFill>
+            </a:endParaRPr>
+          </a:p>
+          <a:p>
+            <a:pPr marL="305435" indent="-305435"/>
             <a:endParaRPr lang="en-IN" sz="2400" dirty="0"/>
           </a:p>
         </p:txBody>
@@ -6801,7 +6826,7 @@
           <a:p>
             <a:pPr algn="ctr"/>
             <a:r>
-              <a:rPr lang="en-US" b="1">
+              <a:rPr lang="en-US" b="1" dirty="0">
                 <a:solidFill>
                   <a:srgbClr val="002060"/>
                 </a:solidFill>
@@ -6870,7 +6895,7 @@
           <a:lstStyle/>
           <a:p>
             <a:r>
-              <a:rPr lang="en-US" b="1">
+              <a:rPr lang="en-US" b="1" dirty="0">
                 <a:solidFill>
                   <a:srgbClr val="002060"/>
                 </a:solidFill>
@@ -6934,15 +6959,7 @@
                 <a:ea typeface="+mn-lt"/>
                 <a:cs typeface="Arial"/>
               </a:rPr>
-              <a:t>Problem Statement </a:t>
-            </a:r>
-            <a:r>
-              <a:rPr lang="en-US" sz="2000" dirty="0">
-                <a:latin typeface="Arial"/>
-                <a:ea typeface="+mn-lt"/>
-                <a:cs typeface="Arial"/>
-              </a:rPr>
-              <a:t>(Should not include solution)</a:t>
+              <a:t>Problem Statement</a:t>
             </a:r>
             <a:endParaRPr lang="en-US" dirty="0">
               <a:latin typeface="Arial"/>
@@ -7065,7 +7082,7 @@
           </a:p>
           <a:p>
             <a:pPr marL="305435" indent="-305435"/>
-            <a:endParaRPr lang="en-US">
+            <a:endParaRPr lang="en-US" dirty="0">
               <a:latin typeface="Arial"/>
               <a:cs typeface="Arial"/>
             </a:endParaRPr>
@@ -7126,7 +7143,7 @@
           <a:lstStyle/>
           <a:p>
             <a:r>
-              <a:rPr lang="en-US" sz="4400" b="1">
+              <a:rPr lang="en-US" sz="4400" b="1" dirty="0">
                 <a:solidFill>
                   <a:schemeClr val="accent1"/>
                 </a:solidFill>
@@ -7135,7 +7152,7 @@
               </a:rPr>
               <a:t>Problem Statement</a:t>
             </a:r>
-            <a:endParaRPr lang="en-US" sz="4400"/>
+            <a:endParaRPr lang="en-US" sz="4400" dirty="0"/>
           </a:p>
         </p:txBody>
       </p:sp>
@@ -7172,6 +7189,62 @@
           </a:p>
           <a:p>
             <a:pPr marL="305435" indent="-305435"/>
+            <a:endParaRPr lang="en-IN" dirty="0"/>
+          </a:p>
+        </p:txBody>
+      </p:sp>
+      <p:sp>
+        <p:nvSpPr>
+          <p:cNvPr id="3" name="TextBox 2">
+            <a:extLst>
+              <a:ext uri="{FF2B5EF4-FFF2-40B4-BE49-F238E27FC236}">
+                <a16:creationId xmlns:a16="http://schemas.microsoft.com/office/drawing/2014/main" id="{866158FC-44ED-4E3A-8CB6-F9A11289DAF7}"/>
+              </a:ext>
+            </a:extLst>
+          </p:cNvPr>
+          <p:cNvSpPr txBox="1"/>
+          <p:nvPr/>
+        </p:nvSpPr>
+        <p:spPr>
+          <a:xfrm>
+            <a:off x="858129" y="1930400"/>
+            <a:ext cx="6541477" cy="3323987"/>
+          </a:xfrm>
+          <a:prstGeom prst="rect">
+            <a:avLst/>
+          </a:prstGeom>
+          <a:noFill/>
+        </p:spPr>
+        <p:txBody>
+          <a:bodyPr wrap="square" rtlCol="0">
+            <a:spAutoFit/>
+          </a:bodyPr>
+          <a:lstStyle/>
+          <a:p>
+            <a:pPr marL="285750" indent="-285750">
+              <a:buFont typeface="Wingdings" panose="05000000000000000000" pitchFamily="2" charset="2"/>
+              <a:buChar char="v"/>
+            </a:pPr>
+            <a:r>
+              <a:rPr lang="en-IN" sz="2400" dirty="0"/>
+              <a:t>The Key Loggers where initially introduced for tracing the software development process by knowing the minor details of the code.</a:t>
+            </a:r>
+          </a:p>
+          <a:p>
+            <a:pPr marL="285750" indent="-285750">
+              <a:buFont typeface="Wingdings" panose="05000000000000000000" pitchFamily="2" charset="2"/>
+              <a:buChar char="v"/>
+            </a:pPr>
+            <a:r>
+              <a:rPr lang="en-IN" sz="2400" dirty="0"/>
+              <a:t>But later due to the ability of the keylogger to maintain the entire log of the user activity the attackers started using it for malicious purposes.</a:t>
+            </a:r>
+          </a:p>
+          <a:p>
+            <a:pPr marL="285750" indent="-285750">
+              <a:buFont typeface="Wingdings" panose="05000000000000000000" pitchFamily="2" charset="2"/>
+              <a:buChar char="v"/>
+            </a:pPr>
             <a:endParaRPr lang="en-IN" dirty="0"/>
           </a:p>
         </p:txBody>
@@ -7250,10 +7323,10 @@
       </p:sp>
       <p:sp>
         <p:nvSpPr>
-          <p:cNvPr id="2" name="Content Placeholder 1">
+          <p:cNvPr id="7" name="Content Placeholder 6">
             <a:extLst>
               <a:ext uri="{FF2B5EF4-FFF2-40B4-BE49-F238E27FC236}">
-                <a16:creationId xmlns:a16="http://schemas.microsoft.com/office/drawing/2014/main" id="{E041FD9D-DF07-9C37-1E61-1D920E0EF1D4}"/>
+                <a16:creationId xmlns:a16="http://schemas.microsoft.com/office/drawing/2014/main" id="{6B9F37BD-2CD5-4904-9963-1CCD37017A7D}"/>
               </a:ext>
             </a:extLst>
           </p:cNvPr>
@@ -7266,277 +7339,99 @@
         </p:nvSpPr>
         <p:spPr>
           <a:xfrm>
-            <a:off x="0" y="912793"/>
-            <a:ext cx="11613485" cy="5032413"/>
+            <a:off x="1055312" y="1488613"/>
+            <a:ext cx="7369386" cy="3880773"/>
           </a:xfrm>
         </p:spPr>
         <p:txBody>
-          <a:bodyPr vert="horz" lIns="91440" tIns="45720" rIns="91440" bIns="45720" rtlCol="0" anchor="ctr">
-            <a:noAutofit/>
+          <a:bodyPr>
+            <a:normAutofit fontScale="92500"/>
           </a:bodyPr>
           <a:lstStyle/>
           <a:p>
-            <a:pPr marL="305435" indent="-305435"/>
-            <a:endParaRPr lang="en-IN" sz="1200" b="1" dirty="0">
-              <a:latin typeface="Calibri"/>
-              <a:cs typeface="Calibri"/>
+            <a:pPr algn="l">
+              <a:buFont typeface="+mj-lt"/>
+              <a:buAutoNum type="arabicPeriod"/>
+            </a:pPr>
+            <a:r>
+              <a:rPr lang="en-GB" sz="2400" b="1" i="0" dirty="0">
+                <a:solidFill>
+                  <a:schemeClr val="tx1"/>
+                </a:solidFill>
+                <a:effectLst/>
+                <a:latin typeface="Söhne"/>
+              </a:rPr>
+              <a:t>Antivirus/Anti-Malware Software</a:t>
+            </a:r>
+            <a:r>
+              <a:rPr lang="en-GB" sz="2400" b="0" i="0" dirty="0">
+                <a:solidFill>
+                  <a:schemeClr val="tx1"/>
+                </a:solidFill>
+                <a:effectLst/>
+                <a:latin typeface="Söhne"/>
+              </a:rPr>
+              <a:t>: Regularly update and use reputable antivirus or anti-malware software that includes features to detect and block keyloggers.</a:t>
+            </a:r>
+          </a:p>
+          <a:p>
+            <a:pPr algn="l">
+              <a:buFont typeface="+mj-lt"/>
+              <a:buAutoNum type="arabicPeriod"/>
+            </a:pPr>
+            <a:r>
+              <a:rPr lang="en-GB" sz="2400" b="1" i="0" dirty="0">
+                <a:solidFill>
+                  <a:schemeClr val="tx1"/>
+                </a:solidFill>
+                <a:effectLst/>
+                <a:latin typeface="Söhne"/>
+              </a:rPr>
+              <a:t>Firewalls</a:t>
+            </a:r>
+            <a:r>
+              <a:rPr lang="en-GB" sz="2400" b="0" i="0" dirty="0">
+                <a:solidFill>
+                  <a:schemeClr val="tx1"/>
+                </a:solidFill>
+                <a:effectLst/>
+                <a:latin typeface="Söhne"/>
+              </a:rPr>
+              <a:t>: Utilize firewalls to monitor and control incoming and outgoing traffic on your computer. Configure your firewall settings to block suspicious connections.</a:t>
+            </a:r>
+          </a:p>
+          <a:p>
+            <a:pPr algn="l">
+              <a:buFont typeface="+mj-lt"/>
+              <a:buAutoNum type="arabicPeriod"/>
+            </a:pPr>
+            <a:r>
+              <a:rPr lang="en-GB" sz="2400" b="1" i="0" dirty="0">
+                <a:solidFill>
+                  <a:schemeClr val="tx1"/>
+                </a:solidFill>
+                <a:effectLst/>
+                <a:latin typeface="Söhne"/>
+              </a:rPr>
+              <a:t>Regular System Scans</a:t>
+            </a:r>
+            <a:r>
+              <a:rPr lang="en-GB" sz="2400" b="0" i="0" dirty="0">
+                <a:solidFill>
+                  <a:schemeClr val="tx1"/>
+                </a:solidFill>
+                <a:effectLst/>
+                <a:latin typeface="Söhne"/>
+              </a:rPr>
+              <a:t>: Perform regular system scans using antivirus software to detect and remove any malicious software, including keyloggers, that may be present on your system.</a:t>
+            </a:r>
+          </a:p>
+          <a:p>
+            <a:endParaRPr lang="en-IN" dirty="0">
+              <a:solidFill>
+                <a:schemeClr val="tx1"/>
+              </a:solidFill>
             </a:endParaRPr>
-          </a:p>
-          <a:p>
-            <a:pPr marL="305435" indent="-305435"/>
-            <a:r>
-              <a:rPr lang="en-IN" sz="1200" b="1" dirty="0">
-                <a:latin typeface="Calibri"/>
-                <a:ea typeface="+mn-lt"/>
-                <a:cs typeface="+mn-lt"/>
-              </a:rPr>
-              <a:t>The proposed system aims to address the challenge of predicting the required bike count at each hour to ensure a stable supply of rental bikes. This involves leveraging data analytics and machine learning techniques to forecast demand patterns accurately. The solution will consist of the following components:</a:t>
-            </a:r>
-            <a:endParaRPr lang="en-IN" sz="1200" b="1" dirty="0">
-              <a:latin typeface="Calibri"/>
-              <a:cs typeface="Calibri"/>
-            </a:endParaRPr>
-          </a:p>
-          <a:p>
-            <a:pPr marL="305435" indent="-305435"/>
-            <a:r>
-              <a:rPr lang="en-IN" sz="1200" b="1" dirty="0">
-                <a:latin typeface="Calibri"/>
-                <a:ea typeface="+mn-lt"/>
-                <a:cs typeface="+mn-lt"/>
-              </a:rPr>
-              <a:t>Data Collection:</a:t>
-            </a:r>
-            <a:endParaRPr lang="en-IN" sz="1200" b="1" dirty="0">
-              <a:latin typeface="Calibri"/>
-              <a:cs typeface="Calibri"/>
-            </a:endParaRPr>
-          </a:p>
-          <a:p>
-            <a:pPr marL="629920" lvl="1" indent="-305435"/>
-            <a:r>
-              <a:rPr lang="en-IN" sz="1200" b="1" dirty="0">
-                <a:latin typeface="Calibri"/>
-                <a:ea typeface="+mn-lt"/>
-                <a:cs typeface="+mn-lt"/>
-              </a:rPr>
-              <a:t>Gather historical data on bike rentals, including time, date, location, and other relevant factors.</a:t>
-            </a:r>
-            <a:endParaRPr lang="en-IN" sz="1200" b="1" dirty="0">
-              <a:latin typeface="Calibri"/>
-              <a:cs typeface="Calibri"/>
-            </a:endParaRPr>
-          </a:p>
-          <a:p>
-            <a:pPr marL="629920" lvl="1" indent="-305435"/>
-            <a:r>
-              <a:rPr lang="en-IN" sz="1200" b="1" dirty="0">
-                <a:latin typeface="Calibri"/>
-                <a:ea typeface="+mn-lt"/>
-                <a:cs typeface="+mn-lt"/>
-              </a:rPr>
-              <a:t>Utilize real-time data sources, such as weather conditions, events, and holidays, to enhance prediction accuracy.</a:t>
-            </a:r>
-            <a:endParaRPr lang="en-IN" sz="1200" b="1" dirty="0">
-              <a:latin typeface="Calibri"/>
-              <a:cs typeface="Calibri"/>
-            </a:endParaRPr>
-          </a:p>
-          <a:p>
-            <a:pPr marL="305435" indent="-305435"/>
-            <a:r>
-              <a:rPr lang="en-IN" sz="1200" b="1" dirty="0">
-                <a:latin typeface="Calibri"/>
-                <a:ea typeface="+mn-lt"/>
-                <a:cs typeface="+mn-lt"/>
-              </a:rPr>
-              <a:t>Data Preprocessing:</a:t>
-            </a:r>
-            <a:endParaRPr lang="en-IN" sz="1200" b="1" dirty="0">
-              <a:latin typeface="Calibri"/>
-              <a:cs typeface="Calibri"/>
-            </a:endParaRPr>
-          </a:p>
-          <a:p>
-            <a:pPr marL="629920" lvl="1" indent="-305435"/>
-            <a:r>
-              <a:rPr lang="en-IN" sz="1200" b="1" dirty="0">
-                <a:latin typeface="Calibri"/>
-                <a:ea typeface="+mn-lt"/>
-                <a:cs typeface="+mn-lt"/>
-              </a:rPr>
-              <a:t>Clean and preprocess the collected data to handle missing values, outliers, and inconsistencies.</a:t>
-            </a:r>
-            <a:endParaRPr lang="en-IN" sz="1200" b="1" dirty="0">
-              <a:latin typeface="Calibri"/>
-              <a:cs typeface="Calibri"/>
-            </a:endParaRPr>
-          </a:p>
-          <a:p>
-            <a:pPr marL="629920" lvl="1" indent="-305435"/>
-            <a:r>
-              <a:rPr lang="en-IN" sz="1200" b="1" dirty="0">
-                <a:latin typeface="Calibri"/>
-                <a:ea typeface="+mn-lt"/>
-                <a:cs typeface="+mn-lt"/>
-              </a:rPr>
-              <a:t>Feature engineering to extract relevant features from the data that might impact bike demand.</a:t>
-            </a:r>
-            <a:endParaRPr lang="en-IN" sz="1200" b="1" dirty="0">
-              <a:latin typeface="Calibri"/>
-              <a:cs typeface="Calibri"/>
-            </a:endParaRPr>
-          </a:p>
-          <a:p>
-            <a:pPr marL="305435" indent="-305435"/>
-            <a:r>
-              <a:rPr lang="en-IN" sz="1200" b="1" dirty="0">
-                <a:latin typeface="Calibri"/>
-                <a:ea typeface="+mn-lt"/>
-                <a:cs typeface="+mn-lt"/>
-              </a:rPr>
-              <a:t>Machine Learning Algorithm:</a:t>
-            </a:r>
-            <a:endParaRPr lang="en-IN" sz="1200" b="1" dirty="0">
-              <a:latin typeface="Calibri"/>
-              <a:cs typeface="Calibri"/>
-            </a:endParaRPr>
-          </a:p>
-          <a:p>
-            <a:pPr marL="629920" lvl="1" indent="-305435"/>
-            <a:r>
-              <a:rPr lang="en-IN" sz="1200" b="1" dirty="0">
-                <a:latin typeface="Calibri"/>
-                <a:ea typeface="+mn-lt"/>
-                <a:cs typeface="+mn-lt"/>
-              </a:rPr>
-              <a:t>Implement a machine learning algorithm, such as a time-series forecasting model (e.g., ARIMA, SARIMA, or LSTM), to predict bike counts based on historical patterns.</a:t>
-            </a:r>
-            <a:endParaRPr lang="en-IN" sz="1200" b="1" dirty="0">
-              <a:latin typeface="Calibri"/>
-              <a:cs typeface="Calibri"/>
-            </a:endParaRPr>
-          </a:p>
-          <a:p>
-            <a:pPr marL="629920" lvl="1" indent="-305435"/>
-            <a:r>
-              <a:rPr lang="en-IN" sz="1200" b="1" dirty="0">
-                <a:latin typeface="Calibri"/>
-                <a:ea typeface="+mn-lt"/>
-                <a:cs typeface="+mn-lt"/>
-              </a:rPr>
-              <a:t>Consider incorporating other factors like weather conditions, day of the week, and special events to improve prediction accuracy.</a:t>
-            </a:r>
-            <a:endParaRPr lang="en-IN" sz="1200" b="1" dirty="0">
-              <a:latin typeface="Calibri"/>
-              <a:cs typeface="Calibri"/>
-            </a:endParaRPr>
-          </a:p>
-          <a:p>
-            <a:pPr marL="305435" indent="-305435"/>
-            <a:r>
-              <a:rPr lang="en-IN" sz="1200" b="1" dirty="0">
-                <a:latin typeface="Calibri"/>
-                <a:ea typeface="+mn-lt"/>
-                <a:cs typeface="+mn-lt"/>
-              </a:rPr>
-              <a:t>Deployment:</a:t>
-            </a:r>
-            <a:endParaRPr lang="en-IN" sz="1200" b="1" dirty="0">
-              <a:latin typeface="Calibri"/>
-              <a:cs typeface="Calibri"/>
-            </a:endParaRPr>
-          </a:p>
-          <a:p>
-            <a:pPr marL="629920" lvl="1" indent="-305435"/>
-            <a:r>
-              <a:rPr lang="en-IN" sz="1200" b="1" dirty="0">
-                <a:latin typeface="Calibri"/>
-                <a:ea typeface="+mn-lt"/>
-                <a:cs typeface="+mn-lt"/>
-              </a:rPr>
-              <a:t>Develop a user-friendly interface or application that provides real-time predictions for bike counts at different hours.</a:t>
-            </a:r>
-            <a:endParaRPr lang="en-IN" sz="1200" b="1" dirty="0">
-              <a:latin typeface="Calibri"/>
-              <a:cs typeface="Calibri"/>
-            </a:endParaRPr>
-          </a:p>
-          <a:p>
-            <a:pPr marL="629920" lvl="1" indent="-305435"/>
-            <a:r>
-              <a:rPr lang="en-IN" sz="1200" b="1" dirty="0">
-                <a:latin typeface="Calibri"/>
-                <a:ea typeface="+mn-lt"/>
-                <a:cs typeface="+mn-lt"/>
-              </a:rPr>
-              <a:t>Deploy the solution on a scalable and reliable platform, considering factors like server infrastructure, response time, and user accessibility.</a:t>
-            </a:r>
-            <a:endParaRPr lang="en-IN" sz="1200" b="1" dirty="0">
-              <a:latin typeface="Calibri"/>
-              <a:cs typeface="Calibri"/>
-            </a:endParaRPr>
-          </a:p>
-          <a:p>
-            <a:pPr marL="305435" indent="-305435"/>
-            <a:r>
-              <a:rPr lang="en-IN" sz="1200" b="1" dirty="0">
-                <a:latin typeface="Calibri"/>
-                <a:ea typeface="+mn-lt"/>
-                <a:cs typeface="+mn-lt"/>
-              </a:rPr>
-              <a:t>Evaluation:</a:t>
-            </a:r>
-            <a:endParaRPr lang="en-IN" sz="1200" b="1" dirty="0">
-              <a:latin typeface="Calibri"/>
-              <a:cs typeface="Calibri"/>
-            </a:endParaRPr>
-          </a:p>
-          <a:p>
-            <a:pPr marL="629920" lvl="1" indent="-305435"/>
-            <a:r>
-              <a:rPr lang="en-IN" sz="1200" b="1" dirty="0">
-                <a:latin typeface="Calibri"/>
-                <a:ea typeface="+mn-lt"/>
-                <a:cs typeface="+mn-lt"/>
-              </a:rPr>
-              <a:t>Assess the model's performance using appropriate metrics such as Mean Absolute Error (MAE), Root Mean Squared Error (RMSE), or other relevant metrics.</a:t>
-            </a:r>
-            <a:endParaRPr lang="en-IN" sz="1200" b="1" dirty="0">
-              <a:latin typeface="Calibri"/>
-              <a:cs typeface="Calibri"/>
-            </a:endParaRPr>
-          </a:p>
-          <a:p>
-            <a:pPr marL="629920" lvl="1" indent="-305435"/>
-            <a:r>
-              <a:rPr lang="en-IN" sz="1200" b="1" dirty="0">
-                <a:latin typeface="Calibri"/>
-                <a:ea typeface="+mn-lt"/>
-                <a:cs typeface="+mn-lt"/>
-              </a:rPr>
-              <a:t>Fine-tune the model based on feedback and continuous monitoring of prediction accuracy.</a:t>
-            </a:r>
-            <a:endParaRPr lang="en-IN" sz="1200" b="1" dirty="0">
-              <a:latin typeface="Calibri"/>
-            </a:endParaRPr>
-          </a:p>
-          <a:p>
-            <a:pPr marL="629920" lvl="1" indent="-305435"/>
-            <a:r>
-              <a:rPr lang="en-IN" sz="1200" dirty="0">
-                <a:ea typeface="+mn-lt"/>
-                <a:cs typeface="+mn-lt"/>
-              </a:rPr>
-              <a:t>Result:</a:t>
-            </a:r>
-            <a:endParaRPr lang="en-IN" sz="1200" dirty="0"/>
-          </a:p>
-          <a:p>
-            <a:pPr marL="0" indent="0">
-              <a:buNone/>
-            </a:pPr>
-            <a:endParaRPr lang="en-IN" dirty="0"/>
           </a:p>
         </p:txBody>
       </p:sp>
@@ -7599,7 +7494,7 @@
           <a:lstStyle/>
           <a:p>
             <a:r>
-              <a:rPr lang="en-US" sz="4400" b="1">
+              <a:rPr lang="en-US" sz="4400" b="1" dirty="0">
                 <a:solidFill>
                   <a:schemeClr val="accent1"/>
                 </a:solidFill>
@@ -7609,7 +7504,7 @@
               </a:rPr>
               <a:t>System  Approach</a:t>
             </a:r>
-            <a:endParaRPr lang="en-US" sz="4400">
+            <a:endParaRPr lang="en-US" sz="4400" dirty="0">
               <a:solidFill>
                 <a:schemeClr val="accent1"/>
               </a:solidFill>
@@ -7644,37 +7539,187 @@
               <a:buNone/>
             </a:pPr>
             <a:r>
-              <a:rPr lang="en-IN" sz="1800" b="1">
+              <a:rPr lang="en-IN" sz="1800" b="1" dirty="0">
                 <a:solidFill>
                   <a:srgbClr val="0F0F0F"/>
                 </a:solidFill>
+                <a:latin typeface="Segoe UI" panose="020B0502040204020203" pitchFamily="34" charset="0"/>
                 <a:ea typeface="+mn-lt"/>
-                <a:cs typeface="+mn-lt"/>
+                <a:cs typeface="Segoe UI" panose="020B0502040204020203" pitchFamily="34" charset="0"/>
               </a:rPr>
               <a:t>The "System Approach" section outlines the overall strategy and methodology for developing and implementing the rental bike prediction system. Here's a suggested structure for this section:</a:t>
             </a:r>
-            <a:endParaRPr lang="en-US"/>
           </a:p>
           <a:p>
             <a:pPr marL="305435" indent="-305435"/>
             <a:r>
-              <a:rPr lang="en-IN" sz="1800" b="1">
+              <a:rPr lang="en-IN" sz="1800" b="1" dirty="0">
                 <a:solidFill>
                   <a:srgbClr val="0F0F0F"/>
                 </a:solidFill>
+                <a:latin typeface="Segoe UI" panose="020B0502040204020203" pitchFamily="34" charset="0"/>
+                <a:cs typeface="Segoe UI" panose="020B0502040204020203" pitchFamily="34" charset="0"/>
               </a:rPr>
-              <a:t>System requirements</a:t>
-            </a:r>
+              <a:t>System requirements:</a:t>
+            </a:r>
+          </a:p>
+          <a:p>
+            <a:pPr marL="0" indent="0">
+              <a:buNone/>
+            </a:pPr>
+            <a:r>
+              <a:rPr lang="en-IN" b="1" dirty="0">
+                <a:solidFill>
+                  <a:srgbClr val="0F0F0F"/>
+                </a:solidFill>
+                <a:latin typeface="Segoe UI" panose="020B0502040204020203" pitchFamily="34" charset="0"/>
+                <a:cs typeface="Segoe UI" panose="020B0502040204020203" pitchFamily="34" charset="0"/>
+              </a:rPr>
+              <a:t>	- A Computer with Python</a:t>
+            </a:r>
+            <a:endParaRPr lang="en-IN" sz="1800" b="1" dirty="0">
+              <a:solidFill>
+                <a:srgbClr val="0F0F0F"/>
+              </a:solidFill>
+              <a:latin typeface="Segoe UI" panose="020B0502040204020203" pitchFamily="34" charset="0"/>
+              <a:cs typeface="Segoe UI" panose="020B0502040204020203" pitchFamily="34" charset="0"/>
+            </a:endParaRPr>
           </a:p>
           <a:p>
             <a:pPr marL="305435" indent="-305435"/>
             <a:r>
-              <a:rPr lang="en-IN" sz="1800" b="1">
+              <a:rPr lang="en-IN" sz="1800" b="1" dirty="0">
                 <a:solidFill>
                   <a:srgbClr val="0F0F0F"/>
                 </a:solidFill>
+                <a:latin typeface="Segoe UI" panose="020B0502040204020203" pitchFamily="34" charset="0"/>
+                <a:cs typeface="Segoe UI" panose="020B0502040204020203" pitchFamily="34" charset="0"/>
               </a:rPr>
               <a:t>Library required to build the model</a:t>
+            </a:r>
+          </a:p>
+          <a:p>
+            <a:pPr marL="0" indent="0">
+              <a:buNone/>
+            </a:pPr>
+            <a:r>
+              <a:rPr lang="en-IN" b="1" dirty="0">
+                <a:solidFill>
+                  <a:srgbClr val="0F0F0F"/>
+                </a:solidFill>
+                <a:latin typeface="Segoe UI" panose="020B0502040204020203" pitchFamily="34" charset="0"/>
+                <a:cs typeface="Segoe UI" panose="020B0502040204020203" pitchFamily="34" charset="0"/>
+              </a:rPr>
+              <a:t>                - </a:t>
+            </a:r>
+            <a:r>
+              <a:rPr lang="en-IN" sz="1800" b="1" dirty="0">
+                <a:solidFill>
+                  <a:schemeClr val="tx1"/>
+                </a:solidFill>
+                <a:latin typeface="Segoe UI" panose="020B0502040204020203" pitchFamily="34" charset="0"/>
+                <a:cs typeface="Segoe UI" panose="020B0502040204020203" pitchFamily="34" charset="0"/>
+              </a:rPr>
+              <a:t> </a:t>
+            </a:r>
+            <a:r>
+              <a:rPr lang="en-IN" b="1" i="0" dirty="0">
+                <a:solidFill>
+                  <a:schemeClr val="tx1"/>
+                </a:solidFill>
+                <a:effectLst/>
+                <a:latin typeface="Segoe UI" panose="020B0502040204020203" pitchFamily="34" charset="0"/>
+                <a:cs typeface="Segoe UI" panose="020B0502040204020203" pitchFamily="34" charset="0"/>
+              </a:rPr>
+              <a:t>Python 3.0 or higher </a:t>
+            </a:r>
+          </a:p>
+          <a:p>
+            <a:pPr marL="0" indent="0">
+              <a:buNone/>
+            </a:pPr>
+            <a:r>
+              <a:rPr lang="en-IN" b="1" dirty="0">
+                <a:solidFill>
+                  <a:schemeClr val="tx1"/>
+                </a:solidFill>
+                <a:latin typeface="Segoe UI" panose="020B0502040204020203" pitchFamily="34" charset="0"/>
+                <a:cs typeface="Segoe UI" panose="020B0502040204020203" pitchFamily="34" charset="0"/>
+              </a:rPr>
+              <a:t>                - </a:t>
+            </a:r>
+            <a:r>
+              <a:rPr lang="en-IN" b="1" i="0" dirty="0">
+                <a:solidFill>
+                  <a:schemeClr val="tx1"/>
+                </a:solidFill>
+                <a:effectLst/>
+                <a:latin typeface="Segoe UI" panose="020B0502040204020203" pitchFamily="34" charset="0"/>
+                <a:cs typeface="Segoe UI" panose="020B0502040204020203" pitchFamily="34" charset="0"/>
+              </a:rPr>
+              <a:t>Tkinter</a:t>
+            </a:r>
+            <a:r>
+              <a:rPr lang="en-IN" b="1" dirty="0">
+                <a:solidFill>
+                  <a:schemeClr val="tx1"/>
+                </a:solidFill>
+                <a:latin typeface="Segoe UI" panose="020B0502040204020203" pitchFamily="34" charset="0"/>
+                <a:cs typeface="Segoe UI" panose="020B0502040204020203" pitchFamily="34" charset="0"/>
+              </a:rPr>
+              <a:t> </a:t>
+            </a:r>
+          </a:p>
+          <a:p>
+            <a:pPr marL="0" indent="0">
+              <a:buNone/>
+            </a:pPr>
+            <a:r>
+              <a:rPr lang="en-IN" b="1" i="0" dirty="0">
+                <a:solidFill>
+                  <a:schemeClr val="tx1"/>
+                </a:solidFill>
+                <a:effectLst/>
+                <a:latin typeface="Segoe UI" panose="020B0502040204020203" pitchFamily="34" charset="0"/>
+                <a:cs typeface="Segoe UI" panose="020B0502040204020203" pitchFamily="34" charset="0"/>
+              </a:rPr>
+              <a:t>                </a:t>
+            </a:r>
+            <a:r>
+              <a:rPr lang="en-IN" b="1" dirty="0">
+                <a:solidFill>
+                  <a:schemeClr val="tx1"/>
+                </a:solidFill>
+                <a:latin typeface="Segoe UI" panose="020B0502040204020203" pitchFamily="34" charset="0"/>
+                <a:cs typeface="Segoe UI" panose="020B0502040204020203" pitchFamily="34" charset="0"/>
+              </a:rPr>
+              <a:t>- </a:t>
+            </a:r>
+            <a:r>
+              <a:rPr lang="en-IN" b="1" i="0" dirty="0">
+                <a:solidFill>
+                  <a:schemeClr val="tx1"/>
+                </a:solidFill>
+                <a:effectLst/>
+                <a:latin typeface="Segoe UI" panose="020B0502040204020203" pitchFamily="34" charset="0"/>
+                <a:cs typeface="Segoe UI" panose="020B0502040204020203" pitchFamily="34" charset="0"/>
+              </a:rPr>
+              <a:t>pynput</a:t>
+            </a:r>
+          </a:p>
+          <a:p>
+            <a:pPr marL="0" indent="0">
+              <a:buNone/>
+            </a:pPr>
+            <a:r>
+              <a:rPr lang="en-IN" sz="1800" b="1" dirty="0">
+                <a:solidFill>
+                  <a:srgbClr val="0F0F0F"/>
+                </a:solidFill>
+                <a:latin typeface="Segoe UI" panose="020B0502040204020203" pitchFamily="34" charset="0"/>
+                <a:cs typeface="Segoe UI" panose="020B0502040204020203" pitchFamily="34" charset="0"/>
+              </a:rPr>
+              <a:t> </a:t>
             </a:r>
           </a:p>
         </p:txBody>
@@ -7733,7 +7778,7 @@
           <a:lstStyle/>
           <a:p>
             <a:r>
-              <a:rPr lang="en-US" sz="4400" b="1">
+              <a:rPr lang="en-US" sz="4400" b="1" dirty="0">
                 <a:solidFill>
                   <a:schemeClr val="accent1"/>
                 </a:solidFill>
@@ -7743,16 +7788,16 @@
               </a:rPr>
               <a:t>Algorithm &amp; Deployment</a:t>
             </a:r>
-            <a:endParaRPr lang="en-US"/>
-          </a:p>
-        </p:txBody>
-      </p:sp>
-      <p:sp>
-        <p:nvSpPr>
-          <p:cNvPr id="2" name="Content Placeholder 1">
+            <a:endParaRPr lang="en-US" dirty="0"/>
+          </a:p>
+        </p:txBody>
+      </p:sp>
+      <p:sp>
+        <p:nvSpPr>
+          <p:cNvPr id="4" name="Content Placeholder 3">
             <a:extLst>
               <a:ext uri="{FF2B5EF4-FFF2-40B4-BE49-F238E27FC236}">
-                <a16:creationId xmlns:a16="http://schemas.microsoft.com/office/drawing/2014/main" id="{F7F0871F-2198-9E37-C96F-3611AA199B60}"/>
+                <a16:creationId xmlns:a16="http://schemas.microsoft.com/office/drawing/2014/main" id="{69B1E238-CBD3-4FF6-822C-6FEE0B975C8C}"/>
               </a:ext>
             </a:extLst>
           </p:cNvPr>
@@ -7763,114 +7808,188 @@
             <p:ph idx="1"/>
           </p:nvPr>
         </p:nvSpPr>
-        <p:spPr/>
+        <p:spPr>
+          <a:xfrm>
+            <a:off x="494454" y="1738558"/>
+            <a:ext cx="8596668" cy="3880773"/>
+          </a:xfrm>
+        </p:spPr>
         <p:txBody>
           <a:bodyPr>
-            <a:normAutofit fontScale="85000" lnSpcReduction="10000"/>
+            <a:noAutofit/>
           </a:bodyPr>
           <a:lstStyle/>
           <a:p>
-            <a:pPr marL="305435" indent="-305435"/>
-            <a:r>
-              <a:rPr lang="en-IN" sz="1400" dirty="0">
-                <a:ea typeface="+mn-lt"/>
-                <a:cs typeface="+mn-lt"/>
+            <a:r>
+              <a:rPr lang="en-GB" sz="1600" b="1" dirty="0">
+                <a:solidFill>
+                  <a:schemeClr val="tx1"/>
+                </a:solidFill>
               </a:rPr>
-              <a:t>In the Algorithm section, describe the machine learning algorithm chosen for predicting bike counts. Here's an example structure for this section:</a:t>
-            </a:r>
-            <a:endParaRPr lang="en-IN" sz="1400" dirty="0"/>
-          </a:p>
-          <a:p>
-            <a:pPr marL="305435" indent="-305435"/>
-            <a:r>
-              <a:rPr lang="en-IN" sz="1400" b="1" dirty="0">
-                <a:ea typeface="+mn-lt"/>
-                <a:cs typeface="+mn-lt"/>
+              <a:t> Import the necessary libraries: `</a:t>
+            </a:r>
+            <a:r>
+              <a:rPr lang="en-GB" sz="1600" b="1" dirty="0" err="1">
+                <a:solidFill>
+                  <a:schemeClr val="tx1"/>
+                </a:solidFill>
               </a:rPr>
-              <a:t>Algorithm Selection:</a:t>
-            </a:r>
-            <a:endParaRPr lang="en-IN" sz="1400" dirty="0"/>
-          </a:p>
-          <a:p>
-            <a:pPr marL="629920" lvl="1" indent="-305435"/>
-            <a:r>
-              <a:rPr lang="en-IN" dirty="0">
-                <a:ea typeface="+mn-lt"/>
-                <a:cs typeface="+mn-lt"/>
+              <a:t>tkinter</a:t>
+            </a:r>
+            <a:r>
+              <a:rPr lang="en-GB" sz="1600" b="1" dirty="0">
+                <a:solidFill>
+                  <a:schemeClr val="tx1"/>
+                </a:solidFill>
               </a:rPr>
-              <a:t>Provide a brief overview of the chosen algorithm (e.g., time-series forecasting model, like ARIMA or LSTM) and justify its selection based on the problem statement and data characteristics.</a:t>
-            </a:r>
-            <a:endParaRPr lang="en-IN" dirty="0"/>
-          </a:p>
-          <a:p>
-            <a:pPr marL="305435" indent="-305435"/>
-            <a:r>
-              <a:rPr lang="en-IN" sz="1400" b="1" dirty="0">
-                <a:ea typeface="+mn-lt"/>
-                <a:cs typeface="+mn-lt"/>
+              <a:t>`, `keyboard` from `</a:t>
+            </a:r>
+            <a:r>
+              <a:rPr lang="en-GB" sz="1600" b="1" dirty="0" err="1">
+                <a:solidFill>
+                  <a:schemeClr val="tx1"/>
+                </a:solidFill>
               </a:rPr>
-              <a:t>Data Input:</a:t>
-            </a:r>
-            <a:endParaRPr lang="en-IN" sz="1400" dirty="0"/>
-          </a:p>
-          <a:p>
-            <a:pPr marL="629920" lvl="1" indent="-305435"/>
-            <a:r>
-              <a:rPr lang="en-IN" dirty="0">
-                <a:ea typeface="+mn-lt"/>
-                <a:cs typeface="+mn-lt"/>
+              <a:t>pynput</a:t>
+            </a:r>
+            <a:r>
+              <a:rPr lang="en-GB" sz="1600" b="1" dirty="0">
+                <a:solidFill>
+                  <a:schemeClr val="tx1"/>
+                </a:solidFill>
               </a:rPr>
-              <a:t>Specify the input features used by the algorithm, such as historical bike rental data, weather conditions, day of the week, and any other relevant factors.</a:t>
-            </a:r>
-            <a:endParaRPr lang="en-IN" dirty="0"/>
-          </a:p>
-          <a:p>
-            <a:pPr marL="305435" indent="-305435"/>
-            <a:r>
-              <a:rPr lang="en-IN" sz="1400" b="1" dirty="0">
-                <a:ea typeface="+mn-lt"/>
-                <a:cs typeface="+mn-lt"/>
+              <a:t>`, and `json`.</a:t>
+            </a:r>
+          </a:p>
+          <a:p>
+            <a:r>
+              <a:rPr lang="en-GB" sz="1600" b="1" dirty="0">
+                <a:solidFill>
+                  <a:schemeClr val="tx1"/>
+                </a:solidFill>
               </a:rPr>
-              <a:t>Training Process:</a:t>
-            </a:r>
-            <a:endParaRPr lang="en-IN" sz="1400" dirty="0"/>
-          </a:p>
-          <a:p>
-            <a:pPr marL="629920" lvl="1" indent="-305435"/>
-            <a:r>
-              <a:rPr lang="en-IN" dirty="0">
-                <a:ea typeface="+mn-lt"/>
-                <a:cs typeface="+mn-lt"/>
+              <a:t> Declare global variables such as `</a:t>
+            </a:r>
+            <a:r>
+              <a:rPr lang="en-GB" sz="1600" b="1" dirty="0" err="1">
+                <a:solidFill>
+                  <a:schemeClr val="tx1"/>
+                </a:solidFill>
               </a:rPr>
-              <a:t>Explain how the algorithm is trained using historical data. Highlight any specific considerations or techniques employed, such as cross-validation or hyperparameter tuning.</a:t>
-            </a:r>
-            <a:endParaRPr lang="en-IN" dirty="0"/>
-          </a:p>
-          <a:p>
-            <a:pPr marL="305435" indent="-305435"/>
-            <a:r>
-              <a:rPr lang="en-IN" sz="1400" b="1" dirty="0">
-                <a:ea typeface="+mn-lt"/>
-                <a:cs typeface="+mn-lt"/>
+              <a:t>keys_used</a:t>
+            </a:r>
+            <a:r>
+              <a:rPr lang="en-GB" sz="1600" b="1" dirty="0">
+                <a:solidFill>
+                  <a:schemeClr val="tx1"/>
+                </a:solidFill>
               </a:rPr>
-              <a:t>Prediction Process:</a:t>
-            </a:r>
-            <a:endParaRPr lang="en-IN" sz="1400" dirty="0"/>
-          </a:p>
-          <a:p>
-            <a:pPr marL="629920" lvl="1" indent="-305435"/>
-            <a:r>
-              <a:rPr lang="en-IN" dirty="0">
-                <a:ea typeface="+mn-lt"/>
-                <a:cs typeface="+mn-lt"/>
+              <a:t>`, `flag`, and `keys`.</a:t>
+            </a:r>
+          </a:p>
+          <a:p>
+            <a:r>
+              <a:rPr lang="en-GB" sz="1600" b="1" dirty="0">
+                <a:solidFill>
+                  <a:schemeClr val="tx1"/>
+                </a:solidFill>
               </a:rPr>
-              <a:t>Detail how the trained algorithm makes predictions for future bike counts. Discuss any real-time data inputs considered during the prediction phase.</a:t>
-            </a:r>
-            <a:endParaRPr lang="en-IN" dirty="0"/>
-          </a:p>
-          <a:p>
-            <a:pPr marL="305435" indent="-305435"/>
-            <a:endParaRPr lang="en-IN"/>
+              <a:t>Define functions to log key events to both a text file and a JSON file, handle key press and release events, start and stop the keylogger, and manage the graphical user interface.</a:t>
+            </a:r>
+          </a:p>
+          <a:p>
+            <a:r>
+              <a:rPr lang="en-GB" sz="1600" b="1" dirty="0">
+                <a:solidFill>
+                  <a:schemeClr val="tx1"/>
+                </a:solidFill>
+              </a:rPr>
+              <a:t>Create a </a:t>
+            </a:r>
+            <a:r>
+              <a:rPr lang="en-GB" sz="1600" b="1" dirty="0" err="1">
+                <a:solidFill>
+                  <a:schemeClr val="tx1"/>
+                </a:solidFill>
+              </a:rPr>
+              <a:t>Tkinter</a:t>
+            </a:r>
+            <a:r>
+              <a:rPr lang="en-GB" sz="1600" b="1" dirty="0">
+                <a:solidFill>
+                  <a:schemeClr val="tx1"/>
+                </a:solidFill>
+              </a:rPr>
+              <a:t> window (`root`) with a title "Keylogger", including a status label and "Start" and "Stop" buttons to control the keylogger, configuring their commands and initial states.</a:t>
+            </a:r>
+          </a:p>
+          <a:p>
+            <a:r>
+              <a:rPr lang="en-GB" sz="1600" b="1" dirty="0">
+                <a:solidFill>
+                  <a:schemeClr val="tx1"/>
+                </a:solidFill>
+              </a:rPr>
+              <a:t>Start the </a:t>
+            </a:r>
+            <a:r>
+              <a:rPr lang="en-GB" sz="1600" b="1" dirty="0" err="1">
+                <a:solidFill>
+                  <a:schemeClr val="tx1"/>
+                </a:solidFill>
+              </a:rPr>
+              <a:t>Tkinter</a:t>
+            </a:r>
+            <a:r>
+              <a:rPr lang="en-GB" sz="1600" b="1" dirty="0">
+                <a:solidFill>
+                  <a:schemeClr val="tx1"/>
+                </a:solidFill>
+              </a:rPr>
+              <a:t> main event loop (`</a:t>
+            </a:r>
+            <a:r>
+              <a:rPr lang="en-GB" sz="1600" b="1" dirty="0" err="1">
+                <a:solidFill>
+                  <a:schemeClr val="tx1"/>
+                </a:solidFill>
+              </a:rPr>
+              <a:t>root.mainloop</a:t>
+            </a:r>
+            <a:r>
+              <a:rPr lang="en-GB" sz="1600" b="1" dirty="0">
+                <a:solidFill>
+                  <a:schemeClr val="tx1"/>
+                </a:solidFill>
+              </a:rPr>
+              <a:t>()`).</a:t>
+            </a:r>
+          </a:p>
+          <a:p>
+            <a:r>
+              <a:rPr lang="en-GB" sz="1600" b="1" dirty="0">
+                <a:solidFill>
+                  <a:schemeClr val="tx1"/>
+                </a:solidFill>
+              </a:rPr>
+              <a:t>Handle key events using the `</a:t>
+            </a:r>
+            <a:r>
+              <a:rPr lang="en-GB" sz="1600" b="1" dirty="0" err="1">
+                <a:solidFill>
+                  <a:schemeClr val="tx1"/>
+                </a:solidFill>
+              </a:rPr>
+              <a:t>pynput</a:t>
+            </a:r>
+            <a:r>
+              <a:rPr lang="en-GB" sz="1600" b="1" dirty="0">
+                <a:solidFill>
+                  <a:schemeClr val="tx1"/>
+                </a:solidFill>
+              </a:rPr>
+              <a:t>` library, updating the keylogger's status and log files accordingly.</a:t>
+            </a:r>
           </a:p>
         </p:txBody>
       </p:sp>
@@ -7928,7 +8047,7 @@
           <a:lstStyle/>
           <a:p>
             <a:r>
-              <a:rPr lang="en-US" sz="4400" b="1">
+              <a:rPr lang="en-US" sz="4400" b="1" dirty="0">
                 <a:solidFill>
                   <a:schemeClr val="accent1"/>
                 </a:solidFill>
@@ -7938,50 +8057,39 @@
               </a:rPr>
               <a:t>Result</a:t>
             </a:r>
-            <a:endParaRPr lang="en-US"/>
-          </a:p>
-        </p:txBody>
-      </p:sp>
-      <p:sp>
-        <p:nvSpPr>
-          <p:cNvPr id="2" name="Content Placeholder 1">
+            <a:endParaRPr lang="en-US" dirty="0"/>
+          </a:p>
+        </p:txBody>
+      </p:sp>
+      <p:pic>
+        <p:nvPicPr>
+          <p:cNvPr id="4" name="Content Placeholder 3">
             <a:extLst>
               <a:ext uri="{FF2B5EF4-FFF2-40B4-BE49-F238E27FC236}">
-                <a16:creationId xmlns:a16="http://schemas.microsoft.com/office/drawing/2014/main" id="{D3304455-6802-6CA9-8475-2F6DD1B8D409}"/>
+                <a16:creationId xmlns:a16="http://schemas.microsoft.com/office/drawing/2014/main" id="{B15649CB-6655-4E91-AECA-C61199D3CC99}"/>
               </a:ext>
             </a:extLst>
           </p:cNvPr>
-          <p:cNvSpPr>
-            <a:spLocks noGrp="1"/>
-          </p:cNvSpPr>
+          <p:cNvPicPr>
+            <a:picLocks noGrp="1" noChangeAspect="1"/>
+          </p:cNvPicPr>
           <p:nvPr>
             <p:ph idx="1"/>
           </p:nvPr>
-        </p:nvSpPr>
-        <p:spPr/>
-        <p:txBody>
-          <a:bodyPr>
-            <a:normAutofit/>
-          </a:bodyPr>
-          <a:lstStyle/>
-          <a:p>
-            <a:pPr marL="0" indent="0">
-              <a:buNone/>
-            </a:pPr>
-            <a:r>
-              <a:rPr lang="en-IN" sz="2400" dirty="0">
-                <a:solidFill>
-                  <a:srgbClr val="0F0F0F"/>
-                </a:solidFill>
-                <a:ea typeface="+mn-lt"/>
-                <a:cs typeface="+mn-lt"/>
-              </a:rPr>
-              <a:t>Present the results of the machine learning model in terms of its accuracy and effectiveness in predicting bike counts. Include visualizations and comparisons between predicted and actual counts to highlight the model's performance.</a:t>
-            </a:r>
-            <a:endParaRPr lang="en-IN" sz="2400" dirty="0"/>
-          </a:p>
-        </p:txBody>
-      </p:sp>
+        </p:nvPicPr>
+        <p:blipFill>
+          <a:blip r:embed="rId2"/>
+          <a:stretch>
+            <a:fillRect/>
+          </a:stretch>
+        </p:blipFill>
+        <p:spPr>
+          <a:xfrm>
+            <a:off x="677334" y="1477109"/>
+            <a:ext cx="7955266" cy="4536782"/>
+          </a:xfrm>
+        </p:spPr>
+      </p:pic>
     </p:spTree>
     <p:extLst>
       <p:ext uri="{BB962C8B-B14F-4D97-AF65-F5344CB8AC3E}">
@@ -8036,7 +8144,7 @@
           <a:lstStyle/>
           <a:p>
             <a:r>
-              <a:rPr lang="en-US" sz="4400" b="1">
+              <a:rPr lang="en-US" sz="4400" b="1" dirty="0">
                 <a:solidFill>
                   <a:schemeClr val="accent1"/>
                 </a:solidFill>
@@ -8046,7 +8154,7 @@
               </a:rPr>
               <a:t>Conclusion</a:t>
             </a:r>
-            <a:endParaRPr lang="en-US"/>
+            <a:endParaRPr lang="en-US" dirty="0"/>
           </a:p>
         </p:txBody>
       </p:sp>
@@ -8075,16 +8183,20 @@
           <a:p>
             <a:pPr marL="305435" indent="-305435"/>
             <a:r>
-              <a:rPr lang="en-IN" sz="2000" dirty="0">
-                <a:solidFill>
-                  <a:srgbClr val="0F0F0F"/>
-                </a:solidFill>
-                <a:ea typeface="+mn-lt"/>
-                <a:cs typeface="+mn-lt"/>
+              <a:rPr lang="en-GB" sz="2800" b="0" i="0" dirty="0">
+                <a:solidFill>
+                  <a:schemeClr val="tx1"/>
+                </a:solidFill>
+                <a:effectLst/>
+                <a:latin typeface="Söhne"/>
               </a:rPr>
-              <a:t>Summarize the findings and discuss the effectiveness of the proposed solution. Highlight any challenges encountered during the implementation and potential improvements. Emphasize the importance of accurate bike count predictions for ensuring a stable supply of rental bikes in urban areas.</a:t>
-            </a:r>
-            <a:endParaRPr lang="en-IN" sz="2000" dirty="0"/>
+              <a:t>In this presentation, we delved into crafting a keylogger with Python, Tkinter, and the pynput library. Covering keystroke capture, logging to text and JSON, and a user-friendly Tkinter interface, it provides a solid foundation for Python enthusiasts. It's crucial to grasp the ethical and legal considerations of such tools, making this a comprehensive guide to responsible keylogger development.</a:t>
+            </a:r>
+            <a:endParaRPr lang="en-IN" sz="2800" dirty="0">
+              <a:solidFill>
+                <a:schemeClr val="tx1"/>
+              </a:solidFill>
+            </a:endParaRPr>
           </a:p>
         </p:txBody>
       </p:sp>
@@ -8134,30 +8246,114 @@
             <p:ph idx="1"/>
           </p:nvPr>
         </p:nvSpPr>
-        <p:spPr/>
-        <p:txBody>
-          <a:bodyPr/>
+        <p:spPr>
+          <a:xfrm>
+            <a:off x="535670" y="1696355"/>
+            <a:ext cx="8596668" cy="3880773"/>
+          </a:xfrm>
+        </p:spPr>
+        <p:txBody>
+          <a:bodyPr>
+            <a:noAutofit/>
+          </a:bodyPr>
           <a:lstStyle/>
           <a:p>
-            <a:pPr marL="0" indent="0">
-              <a:buNone/>
+            <a:pPr algn="l">
+              <a:buFont typeface="+mj-lt"/>
+              <a:buAutoNum type="arabicPeriod"/>
             </a:pPr>
-            <a:endParaRPr lang="en-US" sz="2000" b="1" dirty="0"/>
-          </a:p>
-          <a:p>
-            <a:pPr marL="305435" indent="-305435"/>
-            <a:r>
-              <a:rPr lang="en-US" sz="2000" dirty="0">
-                <a:ea typeface="+mn-lt"/>
-                <a:cs typeface="+mn-lt"/>
+            <a:r>
+              <a:rPr lang="en-GB" sz="2400" b="1" i="0" dirty="0">
+                <a:solidFill>
+                  <a:schemeClr val="tx1"/>
+                </a:solidFill>
+                <a:effectLst/>
+                <a:latin typeface="Söhne"/>
               </a:rPr>
-              <a:t>Discuss potential enhancements and expansions for the system. This could include incorporating additional data sources, optimizing the algorithm for better performance, and expanding the system to cover multiple cities or regions. Consider the integration of emerging technologies such as edge computing or advanced machine learning techniques.</a:t>
-            </a:r>
-            <a:endParaRPr lang="en-US" sz="2000" dirty="0"/>
-          </a:p>
-          <a:p>
-            <a:pPr marL="305435" indent="-305435"/>
-            <a:endParaRPr lang="en-US"/>
+              <a:t>Enhanced Logging</a:t>
+            </a:r>
+            <a:r>
+              <a:rPr lang="en-GB" sz="2400" b="0" i="0" dirty="0">
+                <a:solidFill>
+                  <a:schemeClr val="tx1"/>
+                </a:solidFill>
+                <a:effectLst/>
+                <a:latin typeface="Söhne"/>
+              </a:rPr>
+              <a:t>: Implement features to log additional information such as timestamps, window titles, or application context alongside keystrokes to provide more context for captured data.</a:t>
+            </a:r>
+          </a:p>
+          <a:p>
+            <a:pPr algn="l">
+              <a:buFont typeface="+mj-lt"/>
+              <a:buAutoNum type="arabicPeriod"/>
+            </a:pPr>
+            <a:r>
+              <a:rPr lang="en-GB" sz="2400" b="1" i="0" dirty="0">
+                <a:solidFill>
+                  <a:schemeClr val="tx1"/>
+                </a:solidFill>
+                <a:effectLst/>
+                <a:latin typeface="Söhne"/>
+              </a:rPr>
+              <a:t>Remote Monitoring</a:t>
+            </a:r>
+            <a:r>
+              <a:rPr lang="en-GB" sz="2400" b="0" i="0" dirty="0">
+                <a:solidFill>
+                  <a:schemeClr val="tx1"/>
+                </a:solidFill>
+                <a:effectLst/>
+                <a:latin typeface="Söhne"/>
+              </a:rPr>
+              <a:t>: Extend the keylogger to transmit logged data to a remote server for monitoring, enabling users to access </a:t>
+            </a:r>
+            <a:r>
+              <a:rPr lang="en-GB" sz="2400" b="0" i="0" dirty="0" err="1">
+                <a:solidFill>
+                  <a:schemeClr val="tx1"/>
+                </a:solidFill>
+                <a:effectLst/>
+                <a:latin typeface="Söhne"/>
+              </a:rPr>
+              <a:t>keylogs</a:t>
+            </a:r>
+            <a:r>
+              <a:rPr lang="en-GB" sz="2400" b="0" i="0" dirty="0">
+                <a:solidFill>
+                  <a:schemeClr val="tx1"/>
+                </a:solidFill>
+                <a:effectLst/>
+                <a:latin typeface="Söhne"/>
+              </a:rPr>
+              <a:t> remotely and receive real-time notifications.</a:t>
+            </a:r>
+          </a:p>
+          <a:p>
+            <a:pPr algn="l">
+              <a:buFont typeface="+mj-lt"/>
+              <a:buAutoNum type="arabicPeriod"/>
+            </a:pPr>
+            <a:r>
+              <a:rPr lang="en-GB" sz="2400" b="1" i="0" dirty="0">
+                <a:solidFill>
+                  <a:schemeClr val="tx1"/>
+                </a:solidFill>
+                <a:effectLst/>
+                <a:latin typeface="Söhne"/>
+              </a:rPr>
+              <a:t>Encryption and Security</a:t>
+            </a:r>
+            <a:r>
+              <a:rPr lang="en-GB" sz="2400" b="0" i="0" dirty="0">
+                <a:solidFill>
+                  <a:schemeClr val="tx1"/>
+                </a:solidFill>
+                <a:effectLst/>
+                <a:latin typeface="Söhne"/>
+              </a:rPr>
+              <a:t>: Integrate encryption techniques to secure logged data, ensuring that sensitive information remains protected from unauthorized access or interception.</a:t>
+            </a:r>
           </a:p>
         </p:txBody>
       </p:sp>
@@ -8855,15 +9051,6 @@
 </file>
 
 <file path=customXml/item2.xml><?xml version="1.0" encoding="utf-8"?>
-<p:properties xmlns:p="http://schemas.microsoft.com/office/2006/metadata/properties" xmlns:xsi="http://www.w3.org/2001/XMLSchema-instance" xmlns:pc="http://schemas.microsoft.com/office/infopath/2007/PartnerControls">
-  <documentManagement>
-    <MediaServiceKeyPoints xmlns="9162bd5b-4ed9-4da3-b376-05204580ba3f" xsi:nil="true"/>
-    <_activity xmlns="9162bd5b-4ed9-4da3-b376-05204580ba3f" xsi:nil="true"/>
-  </documentManagement>
-</p:properties>
-</file>
-
-<file path=customXml/item3.xml><?xml version="1.0" encoding="utf-8"?>
 <ct:contentTypeSchema xmlns:ct="http://schemas.microsoft.com/office/2006/metadata/contentType" xmlns:ma="http://schemas.microsoft.com/office/2006/metadata/properties/metaAttributes" ct:_="" ma:_="" ma:contentTypeName="Document" ma:contentTypeID="0x0101000F1872188ABCFC48BECA6C87E8AC3285" ma:contentTypeVersion="17" ma:contentTypeDescription="Create a new document." ma:contentTypeScope="" ma:versionID="55a158675e089c6a85ab0f83b89e1a15">
   <xsd:schema xmlns:xsd="http://www.w3.org/2001/XMLSchema" xmlns:xs="http://www.w3.org/2001/XMLSchema" xmlns:p="http://schemas.microsoft.com/office/2006/metadata/properties" xmlns:ns3="9162bd5b-4ed9-4da3-b376-05204580ba3f" xmlns:ns4="c0fa2617-96bd-425d-8578-e93563fe37c5" targetNamespace="http://schemas.microsoft.com/office/2006/metadata/properties" ma:root="true" ma:fieldsID="b35f082308864fa161c4a0a9eca35eff" ns3:_="" ns4:_="">
     <xsd:import namespace="9162bd5b-4ed9-4da3-b376-05204580ba3f"/>
@@ -9110,6 +9297,15 @@
 </ct:contentTypeSchema>
 </file>
 
+<file path=customXml/item3.xml><?xml version="1.0" encoding="utf-8"?>
+<p:properties xmlns:p="http://schemas.microsoft.com/office/2006/metadata/properties" xmlns:xsi="http://www.w3.org/2001/XMLSchema-instance" xmlns:pc="http://schemas.microsoft.com/office/infopath/2007/PartnerControls">
+  <documentManagement>
+    <MediaServiceKeyPoints xmlns="9162bd5b-4ed9-4da3-b376-05204580ba3f" xsi:nil="true"/>
+    <_activity xmlns="9162bd5b-4ed9-4da3-b376-05204580ba3f" xsi:nil="true"/>
+  </documentManagement>
+</p:properties>
+</file>
+
 <file path=customXml/itemProps1.xml><?xml version="1.0" encoding="utf-8"?>
 <ds:datastoreItem xmlns:ds="http://schemas.openxmlformats.org/officeDocument/2006/customXml" ds:itemID="{927BD4C1-B6B1-4715-ABF9-E660A51A4EA0}">
   <ds:schemaRefs>
@@ -9119,23 +9315,6 @@
 </file>
 
 <file path=customXml/itemProps2.xml><?xml version="1.0" encoding="utf-8"?>
-<ds:datastoreItem xmlns:ds="http://schemas.openxmlformats.org/officeDocument/2006/customXml" ds:itemID="{8D289AE2-D2AE-49D1-AFAC-3A79F6794255}">
-  <ds:schemaRefs>
-    <ds:schemaRef ds:uri="9162bd5b-4ed9-4da3-b376-05204580ba3f"/>
-    <ds:schemaRef ds:uri="c0fa2617-96bd-425d-8578-e93563fe37c5"/>
-    <ds:schemaRef ds:uri="http://purl.org/dc/dcmitype/"/>
-    <ds:schemaRef ds:uri="http://purl.org/dc/elements/1.1/"/>
-    <ds:schemaRef ds:uri="http://purl.org/dc/terms/"/>
-    <ds:schemaRef ds:uri="http://schemas.microsoft.com/office/2006/documentManagement/types"/>
-    <ds:schemaRef ds:uri="http://schemas.microsoft.com/office/2006/metadata/properties"/>
-    <ds:schemaRef ds:uri="http://schemas.microsoft.com/office/infopath/2007/PartnerControls"/>
-    <ds:schemaRef ds:uri="http://schemas.openxmlformats.org/package/2006/metadata/core-properties"/>
-    <ds:schemaRef ds:uri="http://www.w3.org/XML/1998/namespace"/>
-  </ds:schemaRefs>
-</ds:datastoreItem>
-</file>
-
-<file path=customXml/itemProps3.xml><?xml version="1.0" encoding="utf-8"?>
 <ds:datastoreItem xmlns:ds="http://schemas.openxmlformats.org/officeDocument/2006/customXml" ds:itemID="{6E816721-11E4-4989-8472-AB5A7EC20404}">
   <ds:schemaRefs>
     <ds:schemaRef ds:uri="9162bd5b-4ed9-4da3-b376-05204580ba3f"/>
@@ -9152,4 +9331,21 @@
     <ds:schemaRef ds:uri="http://www.w3.org/2001/XMLSchema"/>
   </ds:schemaRefs>
 </ds:datastoreItem>
+</file>
+
+<file path=customXml/itemProps3.xml><?xml version="1.0" encoding="utf-8"?>
+<ds:datastoreItem xmlns:ds="http://schemas.openxmlformats.org/officeDocument/2006/customXml" ds:itemID="{8D289AE2-D2AE-49D1-AFAC-3A79F6794255}">
+  <ds:schemaRefs>
+    <ds:schemaRef ds:uri="9162bd5b-4ed9-4da3-b376-05204580ba3f"/>
+    <ds:schemaRef ds:uri="c0fa2617-96bd-425d-8578-e93563fe37c5"/>
+    <ds:schemaRef ds:uri="http://purl.org/dc/dcmitype/"/>
+    <ds:schemaRef ds:uri="http://purl.org/dc/elements/1.1/"/>
+    <ds:schemaRef ds:uri="http://purl.org/dc/terms/"/>
+    <ds:schemaRef ds:uri="http://schemas.microsoft.com/office/2006/documentManagement/types"/>
+    <ds:schemaRef ds:uri="http://schemas.microsoft.com/office/2006/metadata/properties"/>
+    <ds:schemaRef ds:uri="http://schemas.microsoft.com/office/infopath/2007/PartnerControls"/>
+    <ds:schemaRef ds:uri="http://schemas.openxmlformats.org/package/2006/metadata/core-properties"/>
+    <ds:schemaRef ds:uri="http://www.w3.org/XML/1998/namespace"/>
+  </ds:schemaRefs>
+</ds:datastoreItem>
 </file>